--- a/598Slides.pptx
+++ b/598Slides.pptx
@@ -5,21 +5,20 @@
     <p:sldMasterId id="2147484019" r:id="rId1"/>
   </p:sldMasterIdLst>
   <p:notesMasterIdLst>
-    <p:notesMasterId r:id="rId14"/>
+    <p:notesMasterId r:id="rId13"/>
   </p:notesMasterIdLst>
   <p:sldIdLst>
     <p:sldId id="256" r:id="rId2"/>
     <p:sldId id="257" r:id="rId3"/>
     <p:sldId id="258" r:id="rId4"/>
-    <p:sldId id="259" r:id="rId5"/>
+    <p:sldId id="270" r:id="rId5"/>
     <p:sldId id="260" r:id="rId6"/>
-    <p:sldId id="261" r:id="rId7"/>
+    <p:sldId id="269" r:id="rId7"/>
     <p:sldId id="263" r:id="rId8"/>
     <p:sldId id="264" r:id="rId9"/>
-    <p:sldId id="267" r:id="rId10"/>
-    <p:sldId id="265" r:id="rId11"/>
-    <p:sldId id="266" r:id="rId12"/>
-    <p:sldId id="268" r:id="rId13"/>
+    <p:sldId id="272" r:id="rId10"/>
+    <p:sldId id="271" r:id="rId11"/>
+    <p:sldId id="268" r:id="rId12"/>
   </p:sldIdLst>
   <p:sldSz cx="12192000" cy="6858000"/>
   <p:notesSz cx="6858000" cy="9144000"/>
@@ -208,7 +207,7 @@
           <a:p>
             <a:fld id="{0C3B1371-A022-E24B-8C38-BBCBC8967119}" type="datetimeFigureOut">
               <a:rPr lang="en-US" smtClean="0"/>
-              <a:t>12/5/16</a:t>
+              <a:t>12/6/2016</a:t>
             </a:fld>
             <a:endParaRPr lang="en-US"/>
           </a:p>
@@ -272,38 +271,37 @@
           <a:p>
             <a:pPr lvl="0"/>
             <a:r>
-              <a:rPr lang="en-US" smtClean="0"/>
+              <a:rPr lang="en-US"/>
               <a:t>Click to edit Master text styles</a:t>
             </a:r>
           </a:p>
           <a:p>
             <a:pPr lvl="1"/>
             <a:r>
-              <a:rPr lang="en-US" smtClean="0"/>
+              <a:rPr lang="en-US"/>
               <a:t>Second level</a:t>
             </a:r>
           </a:p>
           <a:p>
             <a:pPr lvl="2"/>
             <a:r>
-              <a:rPr lang="en-US" smtClean="0"/>
+              <a:rPr lang="en-US"/>
               <a:t>Third level</a:t>
             </a:r>
           </a:p>
           <a:p>
             <a:pPr lvl="3"/>
             <a:r>
-              <a:rPr lang="en-US" smtClean="0"/>
+              <a:rPr lang="en-US"/>
               <a:t>Fourth level</a:t>
             </a:r>
           </a:p>
           <a:p>
             <a:pPr lvl="4"/>
             <a:r>
-              <a:rPr lang="en-US" smtClean="0"/>
+              <a:rPr lang="en-US"/>
               <a:t>Fifth level</a:t>
             </a:r>
-            <a:endParaRPr lang="en-US"/>
           </a:p>
         </p:txBody>
       </p:sp>
@@ -606,7 +604,7 @@
           </a:lstStyle>
           <a:p>
             <a:r>
-              <a:rPr lang="en-US" smtClean="0"/>
+              <a:rPr lang="en-US"/>
               <a:t>Click to edit Master title style</a:t>
             </a:r>
             <a:endParaRPr lang="en-US" dirty="0"/>
@@ -678,7 +676,7 @@
           </a:lstStyle>
           <a:p>
             <a:r>
-              <a:rPr lang="en-US" smtClean="0"/>
+              <a:rPr lang="en-US"/>
               <a:t>Click to edit Master subtitle style</a:t>
             </a:r>
             <a:endParaRPr lang="en-US" dirty="0"/>
@@ -702,7 +700,7 @@
           <a:p>
             <a:fld id="{226E303F-2BA6-9E49-90CC-1B97919AD5DB}" type="datetimeFigureOut">
               <a:rPr lang="en-US" smtClean="0"/>
-              <a:t>12/5/16</a:t>
+              <a:t>12/6/2016</a:t>
             </a:fld>
             <a:endParaRPr lang="en-US"/>
           </a:p>
@@ -834,7 +832,7 @@
           <a:lstStyle/>
           <a:p>
             <a:r>
-              <a:rPr lang="en-US" smtClean="0"/>
+              <a:rPr lang="en-US"/>
               <a:t>Click to edit Master title style</a:t>
             </a:r>
             <a:endParaRPr lang="en-US" dirty="0"/>
@@ -858,35 +856,35 @@
           <a:p>
             <a:pPr lvl="0"/>
             <a:r>
-              <a:rPr lang="en-US" smtClean="0"/>
+              <a:rPr lang="en-US"/>
               <a:t>Click to edit Master text styles</a:t>
             </a:r>
           </a:p>
           <a:p>
             <a:pPr lvl="1"/>
             <a:r>
-              <a:rPr lang="en-US" smtClean="0"/>
+              <a:rPr lang="en-US"/>
               <a:t>Second level</a:t>
             </a:r>
           </a:p>
           <a:p>
             <a:pPr lvl="2"/>
             <a:r>
-              <a:rPr lang="en-US" smtClean="0"/>
+              <a:rPr lang="en-US"/>
               <a:t>Third level</a:t>
             </a:r>
           </a:p>
           <a:p>
             <a:pPr lvl="3"/>
             <a:r>
-              <a:rPr lang="en-US" smtClean="0"/>
+              <a:rPr lang="en-US"/>
               <a:t>Fourth level</a:t>
             </a:r>
           </a:p>
           <a:p>
             <a:pPr lvl="4"/>
             <a:r>
-              <a:rPr lang="en-US" smtClean="0"/>
+              <a:rPr lang="en-US"/>
               <a:t>Fifth level</a:t>
             </a:r>
             <a:endParaRPr lang="en-US" dirty="0"/>
@@ -910,7 +908,7 @@
           <a:p>
             <a:fld id="{226E303F-2BA6-9E49-90CC-1B97919AD5DB}" type="datetimeFigureOut">
               <a:rPr lang="en-US" smtClean="0"/>
-              <a:t>12/5/16</a:t>
+              <a:t>12/6/2016</a:t>
             </a:fld>
             <a:endParaRPr lang="en-US"/>
           </a:p>
@@ -1080,7 +1078,7 @@
           <a:lstStyle/>
           <a:p>
             <a:r>
-              <a:rPr lang="en-US" smtClean="0"/>
+              <a:rPr lang="en-US"/>
               <a:t>Click to edit Master title style</a:t>
             </a:r>
             <a:endParaRPr lang="en-US" dirty="0"/>
@@ -1109,35 +1107,35 @@
           <a:p>
             <a:pPr lvl="0"/>
             <a:r>
-              <a:rPr lang="en-US" smtClean="0"/>
+              <a:rPr lang="en-US"/>
               <a:t>Click to edit Master text styles</a:t>
             </a:r>
           </a:p>
           <a:p>
             <a:pPr lvl="1"/>
             <a:r>
-              <a:rPr lang="en-US" smtClean="0"/>
+              <a:rPr lang="en-US"/>
               <a:t>Second level</a:t>
             </a:r>
           </a:p>
           <a:p>
             <a:pPr lvl="2"/>
             <a:r>
-              <a:rPr lang="en-US" smtClean="0"/>
+              <a:rPr lang="en-US"/>
               <a:t>Third level</a:t>
             </a:r>
           </a:p>
           <a:p>
             <a:pPr lvl="3"/>
             <a:r>
-              <a:rPr lang="en-US" smtClean="0"/>
+              <a:rPr lang="en-US"/>
               <a:t>Fourth level</a:t>
             </a:r>
           </a:p>
           <a:p>
             <a:pPr lvl="4"/>
             <a:r>
-              <a:rPr lang="en-US" smtClean="0"/>
+              <a:rPr lang="en-US"/>
               <a:t>Fifth level</a:t>
             </a:r>
             <a:endParaRPr lang="en-US" dirty="0"/>
@@ -1161,7 +1159,7 @@
           <a:p>
             <a:fld id="{226E303F-2BA6-9E49-90CC-1B97919AD5DB}" type="datetimeFigureOut">
               <a:rPr lang="en-US" smtClean="0"/>
-              <a:t>12/5/16</a:t>
+              <a:t>12/6/2016</a:t>
             </a:fld>
             <a:endParaRPr lang="en-US"/>
           </a:p>
@@ -1255,7 +1253,7 @@
           <a:lstStyle/>
           <a:p>
             <a:r>
-              <a:rPr lang="en-US" smtClean="0"/>
+              <a:rPr lang="en-US"/>
               <a:t>Click to edit Master title style</a:t>
             </a:r>
             <a:endParaRPr lang="en-US" dirty="0"/>
@@ -1279,35 +1277,35 @@
           <a:p>
             <a:pPr lvl="0"/>
             <a:r>
-              <a:rPr lang="en-US" smtClean="0"/>
+              <a:rPr lang="en-US"/>
               <a:t>Click to edit Master text styles</a:t>
             </a:r>
           </a:p>
           <a:p>
             <a:pPr lvl="1"/>
             <a:r>
-              <a:rPr lang="en-US" smtClean="0"/>
+              <a:rPr lang="en-US"/>
               <a:t>Second level</a:t>
             </a:r>
           </a:p>
           <a:p>
             <a:pPr lvl="2"/>
             <a:r>
-              <a:rPr lang="en-US" smtClean="0"/>
+              <a:rPr lang="en-US"/>
               <a:t>Third level</a:t>
             </a:r>
           </a:p>
           <a:p>
             <a:pPr lvl="3"/>
             <a:r>
-              <a:rPr lang="en-US" smtClean="0"/>
+              <a:rPr lang="en-US"/>
               <a:t>Fourth level</a:t>
             </a:r>
           </a:p>
           <a:p>
             <a:pPr lvl="4"/>
             <a:r>
-              <a:rPr lang="en-US" smtClean="0"/>
+              <a:rPr lang="en-US"/>
               <a:t>Fifth level</a:t>
             </a:r>
             <a:endParaRPr lang="en-US" dirty="0"/>
@@ -1331,7 +1329,7 @@
           <a:p>
             <a:fld id="{226E303F-2BA6-9E49-90CC-1B97919AD5DB}" type="datetimeFigureOut">
               <a:rPr lang="en-US" smtClean="0"/>
-              <a:t>12/5/16</a:t>
+              <a:t>12/6/2016</a:t>
             </a:fld>
             <a:endParaRPr lang="en-US"/>
           </a:p>
@@ -1525,7 +1523,7 @@
           </a:lstStyle>
           <a:p>
             <a:r>
-              <a:rPr lang="en-US" smtClean="0"/>
+              <a:rPr lang="en-US"/>
               <a:t>Click to edit Master title style</a:t>
             </a:r>
             <a:endParaRPr lang="en-US" dirty="0"/>
@@ -1646,7 +1644,7 @@
           <a:p>
             <a:pPr lvl="0"/>
             <a:r>
-              <a:rPr lang="en-US" smtClean="0"/>
+              <a:rPr lang="en-US"/>
               <a:t>Click to edit Master text styles</a:t>
             </a:r>
           </a:p>
@@ -1669,7 +1667,7 @@
           <a:p>
             <a:fld id="{226E303F-2BA6-9E49-90CC-1B97919AD5DB}" type="datetimeFigureOut">
               <a:rPr lang="en-US" smtClean="0"/>
-              <a:t>12/5/16</a:t>
+              <a:t>12/6/2016</a:t>
             </a:fld>
             <a:endParaRPr lang="en-US"/>
           </a:p>
@@ -1806,7 +1804,7 @@
           <a:lstStyle/>
           <a:p>
             <a:r>
-              <a:rPr lang="en-US" smtClean="0"/>
+              <a:rPr lang="en-US"/>
               <a:t>Click to edit Master title style</a:t>
             </a:r>
             <a:endParaRPr lang="en-US" dirty="0"/>
@@ -1835,35 +1833,35 @@
           <a:p>
             <a:pPr lvl="0"/>
             <a:r>
-              <a:rPr lang="en-US" smtClean="0"/>
+              <a:rPr lang="en-US"/>
               <a:t>Click to edit Master text styles</a:t>
             </a:r>
           </a:p>
           <a:p>
             <a:pPr lvl="1"/>
             <a:r>
-              <a:rPr lang="en-US" smtClean="0"/>
+              <a:rPr lang="en-US"/>
               <a:t>Second level</a:t>
             </a:r>
           </a:p>
           <a:p>
             <a:pPr lvl="2"/>
             <a:r>
-              <a:rPr lang="en-US" smtClean="0"/>
+              <a:rPr lang="en-US"/>
               <a:t>Third level</a:t>
             </a:r>
           </a:p>
           <a:p>
             <a:pPr lvl="3"/>
             <a:r>
-              <a:rPr lang="en-US" smtClean="0"/>
+              <a:rPr lang="en-US"/>
               <a:t>Fourth level</a:t>
             </a:r>
           </a:p>
           <a:p>
             <a:pPr lvl="4"/>
             <a:r>
-              <a:rPr lang="en-US" smtClean="0"/>
+              <a:rPr lang="en-US"/>
               <a:t>Fifth level</a:t>
             </a:r>
             <a:endParaRPr lang="en-US" dirty="0"/>
@@ -1892,35 +1890,35 @@
           <a:p>
             <a:pPr lvl="0"/>
             <a:r>
-              <a:rPr lang="en-US" smtClean="0"/>
+              <a:rPr lang="en-US"/>
               <a:t>Click to edit Master text styles</a:t>
             </a:r>
           </a:p>
           <a:p>
             <a:pPr lvl="1"/>
             <a:r>
-              <a:rPr lang="en-US" smtClean="0"/>
+              <a:rPr lang="en-US"/>
               <a:t>Second level</a:t>
             </a:r>
           </a:p>
           <a:p>
             <a:pPr lvl="2"/>
             <a:r>
-              <a:rPr lang="en-US" smtClean="0"/>
+              <a:rPr lang="en-US"/>
               <a:t>Third level</a:t>
             </a:r>
           </a:p>
           <a:p>
             <a:pPr lvl="3"/>
             <a:r>
-              <a:rPr lang="en-US" smtClean="0"/>
+              <a:rPr lang="en-US"/>
               <a:t>Fourth level</a:t>
             </a:r>
           </a:p>
           <a:p>
             <a:pPr lvl="4"/>
             <a:r>
-              <a:rPr lang="en-US" smtClean="0"/>
+              <a:rPr lang="en-US"/>
               <a:t>Fifth level</a:t>
             </a:r>
             <a:endParaRPr lang="en-US" dirty="0"/>
@@ -1944,7 +1942,7 @@
           <a:p>
             <a:fld id="{226E303F-2BA6-9E49-90CC-1B97919AD5DB}" type="datetimeFigureOut">
               <a:rPr lang="en-US" smtClean="0"/>
-              <a:t>12/5/16</a:t>
+              <a:t>12/6/2016</a:t>
             </a:fld>
             <a:endParaRPr lang="en-US"/>
           </a:p>
@@ -2038,7 +2036,7 @@
           <a:lstStyle/>
           <a:p>
             <a:r>
-              <a:rPr lang="en-US" smtClean="0"/>
+              <a:rPr lang="en-US"/>
               <a:t>Click to edit Master title style</a:t>
             </a:r>
             <a:endParaRPr lang="en-US" dirty="0"/>
@@ -2110,7 +2108,7 @@
           <a:p>
             <a:pPr lvl="0"/>
             <a:r>
-              <a:rPr lang="en-US" smtClean="0"/>
+              <a:rPr lang="en-US"/>
               <a:t>Click to edit Master text styles</a:t>
             </a:r>
           </a:p>
@@ -2138,35 +2136,35 @@
           <a:p>
             <a:pPr lvl="0"/>
             <a:r>
-              <a:rPr lang="en-US" smtClean="0"/>
+              <a:rPr lang="en-US"/>
               <a:t>Click to edit Master text styles</a:t>
             </a:r>
           </a:p>
           <a:p>
             <a:pPr lvl="1"/>
             <a:r>
-              <a:rPr lang="en-US" smtClean="0"/>
+              <a:rPr lang="en-US"/>
               <a:t>Second level</a:t>
             </a:r>
           </a:p>
           <a:p>
             <a:pPr lvl="2"/>
             <a:r>
-              <a:rPr lang="en-US" smtClean="0"/>
+              <a:rPr lang="en-US"/>
               <a:t>Third level</a:t>
             </a:r>
           </a:p>
           <a:p>
             <a:pPr lvl="3"/>
             <a:r>
-              <a:rPr lang="en-US" smtClean="0"/>
+              <a:rPr lang="en-US"/>
               <a:t>Fourth level</a:t>
             </a:r>
           </a:p>
           <a:p>
             <a:pPr lvl="4"/>
             <a:r>
-              <a:rPr lang="en-US" smtClean="0"/>
+              <a:rPr lang="en-US"/>
               <a:t>Fifth level</a:t>
             </a:r>
             <a:endParaRPr lang="en-US" dirty="0"/>
@@ -2238,7 +2236,7 @@
           <a:p>
             <a:pPr lvl="0"/>
             <a:r>
-              <a:rPr lang="en-US" smtClean="0"/>
+              <a:rPr lang="en-US"/>
               <a:t>Click to edit Master text styles</a:t>
             </a:r>
           </a:p>
@@ -2266,35 +2264,35 @@
           <a:p>
             <a:pPr lvl="0"/>
             <a:r>
-              <a:rPr lang="en-US" smtClean="0"/>
+              <a:rPr lang="en-US"/>
               <a:t>Click to edit Master text styles</a:t>
             </a:r>
           </a:p>
           <a:p>
             <a:pPr lvl="1"/>
             <a:r>
-              <a:rPr lang="en-US" smtClean="0"/>
+              <a:rPr lang="en-US"/>
               <a:t>Second level</a:t>
             </a:r>
           </a:p>
           <a:p>
             <a:pPr lvl="2"/>
             <a:r>
-              <a:rPr lang="en-US" smtClean="0"/>
+              <a:rPr lang="en-US"/>
               <a:t>Third level</a:t>
             </a:r>
           </a:p>
           <a:p>
             <a:pPr lvl="3"/>
             <a:r>
-              <a:rPr lang="en-US" smtClean="0"/>
+              <a:rPr lang="en-US"/>
               <a:t>Fourth level</a:t>
             </a:r>
           </a:p>
           <a:p>
             <a:pPr lvl="4"/>
             <a:r>
-              <a:rPr lang="en-US" smtClean="0"/>
+              <a:rPr lang="en-US"/>
               <a:t>Fifth level</a:t>
             </a:r>
             <a:endParaRPr lang="en-US" dirty="0"/>
@@ -2318,7 +2316,7 @@
           <a:p>
             <a:fld id="{226E303F-2BA6-9E49-90CC-1B97919AD5DB}" type="datetimeFigureOut">
               <a:rPr lang="en-US" smtClean="0"/>
-              <a:t>12/5/16</a:t>
+              <a:t>12/6/2016</a:t>
             </a:fld>
             <a:endParaRPr lang="en-US"/>
           </a:p>
@@ -2407,7 +2405,7 @@
           <a:lstStyle/>
           <a:p>
             <a:r>
-              <a:rPr lang="en-US" smtClean="0"/>
+              <a:rPr lang="en-US"/>
               <a:t>Click to edit Master title style</a:t>
             </a:r>
             <a:endParaRPr lang="en-US" dirty="0"/>
@@ -2431,7 +2429,7 @@
           <a:p>
             <a:fld id="{226E303F-2BA6-9E49-90CC-1B97919AD5DB}" type="datetimeFigureOut">
               <a:rPr lang="en-US" smtClean="0"/>
-              <a:t>12/5/16</a:t>
+              <a:t>12/6/2016</a:t>
             </a:fld>
             <a:endParaRPr lang="en-US"/>
           </a:p>
@@ -2597,7 +2595,7 @@
           <a:p>
             <a:fld id="{226E303F-2BA6-9E49-90CC-1B97919AD5DB}" type="datetimeFigureOut">
               <a:rPr lang="en-US" smtClean="0"/>
-              <a:t>12/5/16</a:t>
+              <a:t>12/6/2016</a:t>
             </a:fld>
             <a:endParaRPr lang="en-US"/>
           </a:p>
@@ -2790,7 +2788,7 @@
           </a:lstStyle>
           <a:p>
             <a:r>
-              <a:rPr lang="en-US" smtClean="0"/>
+              <a:rPr lang="en-US"/>
               <a:t>Click to edit Master title style</a:t>
             </a:r>
             <a:endParaRPr lang="en-US" dirty="0"/>
@@ -2819,35 +2817,35 @@
           <a:p>
             <a:pPr lvl="0"/>
             <a:r>
-              <a:rPr lang="en-US" smtClean="0"/>
+              <a:rPr lang="en-US"/>
               <a:t>Click to edit Master text styles</a:t>
             </a:r>
           </a:p>
           <a:p>
             <a:pPr lvl="1"/>
             <a:r>
-              <a:rPr lang="en-US" smtClean="0"/>
+              <a:rPr lang="en-US"/>
               <a:t>Second level</a:t>
             </a:r>
           </a:p>
           <a:p>
             <a:pPr lvl="2"/>
             <a:r>
-              <a:rPr lang="en-US" smtClean="0"/>
+              <a:rPr lang="en-US"/>
               <a:t>Third level</a:t>
             </a:r>
           </a:p>
           <a:p>
             <a:pPr lvl="3"/>
             <a:r>
-              <a:rPr lang="en-US" smtClean="0"/>
+              <a:rPr lang="en-US"/>
               <a:t>Fourth level</a:t>
             </a:r>
           </a:p>
           <a:p>
             <a:pPr lvl="4"/>
             <a:r>
-              <a:rPr lang="en-US" smtClean="0"/>
+              <a:rPr lang="en-US"/>
               <a:t>Fifth level</a:t>
             </a:r>
             <a:endParaRPr lang="en-US" dirty="0"/>
@@ -2919,7 +2917,7 @@
           <a:p>
             <a:pPr lvl="0"/>
             <a:r>
-              <a:rPr lang="en-US" smtClean="0"/>
+              <a:rPr lang="en-US"/>
               <a:t>Click to edit Master text styles</a:t>
             </a:r>
           </a:p>
@@ -2951,7 +2949,7 @@
           <a:p>
             <a:fld id="{226E303F-2BA6-9E49-90CC-1B97919AD5DB}" type="datetimeFigureOut">
               <a:rPr lang="en-US" smtClean="0"/>
-              <a:t>12/5/16</a:t>
+              <a:t>12/6/2016</a:t>
             </a:fld>
             <a:endParaRPr lang="en-US"/>
           </a:p>
@@ -3157,7 +3155,7 @@
           </a:lstStyle>
           <a:p>
             <a:r>
-              <a:rPr lang="en-US" smtClean="0"/>
+              <a:rPr lang="en-US"/>
               <a:t>Click to edit Master title style</a:t>
             </a:r>
             <a:endParaRPr lang="en-US" dirty="0"/>
@@ -3227,7 +3225,7 @@
           </a:lstStyle>
           <a:p>
             <a:r>
-              <a:rPr lang="en-US" smtClean="0"/>
+              <a:rPr lang="en-US"/>
               <a:t>Drag picture to placeholder or click icon to add</a:t>
             </a:r>
             <a:endParaRPr lang="en-US" dirty="0"/>
@@ -3305,7 +3303,7 @@
           <a:p>
             <a:pPr lvl="0"/>
             <a:r>
-              <a:rPr lang="en-US" smtClean="0"/>
+              <a:rPr lang="en-US"/>
               <a:t>Click to edit Master text styles</a:t>
             </a:r>
           </a:p>
@@ -3328,7 +3326,7 @@
           <a:p>
             <a:fld id="{226E303F-2BA6-9E49-90CC-1B97919AD5DB}" type="datetimeFigureOut">
               <a:rPr lang="en-US" smtClean="0"/>
-              <a:t>12/5/16</a:t>
+              <a:t>12/6/2016</a:t>
             </a:fld>
             <a:endParaRPr lang="en-US"/>
           </a:p>
@@ -3508,7 +3506,7 @@
           <a:lstStyle/>
           <a:p>
             <a:r>
-              <a:rPr lang="en-US" smtClean="0"/>
+              <a:rPr lang="en-US"/>
               <a:t>Click to edit Master title style</a:t>
             </a:r>
             <a:endParaRPr lang="en-US" dirty="0"/>
@@ -3542,35 +3540,35 @@
           <a:p>
             <a:pPr lvl="0"/>
             <a:r>
-              <a:rPr lang="en-US" smtClean="0"/>
+              <a:rPr lang="en-US"/>
               <a:t>Click to edit Master text styles</a:t>
             </a:r>
           </a:p>
           <a:p>
             <a:pPr lvl="1"/>
             <a:r>
-              <a:rPr lang="en-US" smtClean="0"/>
+              <a:rPr lang="en-US"/>
               <a:t>Second level</a:t>
             </a:r>
           </a:p>
           <a:p>
             <a:pPr lvl="2"/>
             <a:r>
-              <a:rPr lang="en-US" smtClean="0"/>
+              <a:rPr lang="en-US"/>
               <a:t>Third level</a:t>
             </a:r>
           </a:p>
           <a:p>
             <a:pPr lvl="3"/>
             <a:r>
-              <a:rPr lang="en-US" smtClean="0"/>
+              <a:rPr lang="en-US"/>
               <a:t>Fourth level</a:t>
             </a:r>
           </a:p>
           <a:p>
             <a:pPr lvl="4"/>
             <a:r>
-              <a:rPr lang="en-US" smtClean="0"/>
+              <a:rPr lang="en-US"/>
               <a:t>Fifth level</a:t>
             </a:r>
             <a:endParaRPr lang="en-US" dirty="0"/>
@@ -3610,7 +3608,7 @@
           <a:p>
             <a:fld id="{226E303F-2BA6-9E49-90CC-1B97919AD5DB}" type="datetimeFigureOut">
               <a:rPr lang="en-US" smtClean="0"/>
-              <a:t>12/5/16</a:t>
+              <a:t>12/6/2016</a:t>
             </a:fld>
             <a:endParaRPr lang="en-US"/>
           </a:p>
@@ -4278,7 +4276,7 @@
         </p:spPr>
         <p:txBody>
           <a:bodyPr>
-            <a:normAutofit/>
+            <a:noAutofit/>
           </a:bodyPr>
           <a:lstStyle/>
           <a:p>
@@ -4288,55 +4286,71 @@
               </a:lnSpc>
             </a:pPr>
             <a:r>
-              <a:rPr lang="en-US" sz="4100">
+              <a:rPr lang="en-US" sz="3600" dirty="0">
+                <a:solidFill>
+                  <a:schemeClr val="bg1"/>
+                </a:solidFill>
+              </a:rPr>
+              <a:t>Effect of Partially-Ionized Fuel on Mixing and Combustion of Transverse Jet in Supersonic Cross-flow</a:t>
+            </a:r>
+          </a:p>
+        </p:txBody>
+      </p:sp>
+      <p:sp>
+        <p:nvSpPr>
+          <p:cNvPr id="3" name="Subtitle 2"/>
+          <p:cNvSpPr>
+            <a:spLocks noGrp="1"/>
+          </p:cNvSpPr>
+          <p:nvPr>
+            <p:ph type="subTitle" idx="1"/>
+          </p:nvPr>
+        </p:nvSpPr>
+        <p:spPr>
+          <a:xfrm>
+            <a:off x="457200" y="3866321"/>
+            <a:ext cx="3659246" cy="1554480"/>
+          </a:xfrm>
+        </p:spPr>
+        <p:txBody>
+          <a:bodyPr>
+            <a:normAutofit/>
+          </a:bodyPr>
+          <a:lstStyle/>
+          <a:p>
+            <a:r>
+              <a:rPr lang="en-US" sz="1500" dirty="0">
                 <a:solidFill>
                   <a:srgbClr val="FFFFFF"/>
                 </a:solidFill>
               </a:rPr>
-              <a:t>Simulation of Plasma Combustion in a Plasma Propulsion Engine</a:t>
-            </a:r>
-          </a:p>
-        </p:txBody>
-      </p:sp>
-      <p:sp>
-        <p:nvSpPr>
-          <p:cNvPr id="3" name="Subtitle 2"/>
-          <p:cNvSpPr>
-            <a:spLocks noGrp="1"/>
-          </p:cNvSpPr>
-          <p:nvPr>
-            <p:ph type="subTitle" idx="1"/>
-          </p:nvPr>
-        </p:nvSpPr>
-        <p:spPr>
-          <a:xfrm>
-            <a:off x="457200" y="3578087"/>
-            <a:ext cx="3659246" cy="1554480"/>
-          </a:xfrm>
-        </p:spPr>
-        <p:txBody>
-          <a:bodyPr>
-            <a:normAutofit/>
-          </a:bodyPr>
-          <a:lstStyle/>
-          <a:p>
-            <a:r>
-              <a:rPr lang="en-US" sz="1500">
+              <a:t>Muhammad </a:t>
+            </a:r>
+            <a:r>
+              <a:rPr lang="en-US" sz="1500" dirty="0" err="1">
                 <a:solidFill>
                   <a:srgbClr val="FFFFFF"/>
                 </a:solidFill>
               </a:rPr>
-              <a:t>Muhammad Suleman Mahmood (msm6), Abhinab Paul Choudhury (chodhry4), Yu Jia (yujia2)</a:t>
-            </a:r>
-          </a:p>
-          <a:p>
-            <a:r>
-              <a:rPr lang="en-US" sz="1500">
+              <a:t>Suleman</a:t>
+            </a:r>
+            <a:r>
+              <a:rPr lang="en-US" sz="1500" dirty="0">
                 <a:solidFill>
                   <a:srgbClr val="FFFFFF"/>
                 </a:solidFill>
               </a:rPr>
-              <a:t>12/05/2016</a:t>
+              <a:t> Mahmood (msm6), Abhinab Paul Choudhury (chodhry4), Yu Jia (yujia2)</a:t>
+            </a:r>
+          </a:p>
+          <a:p>
+            <a:r>
+              <a:rPr lang="en-US" sz="1500" dirty="0">
+                <a:solidFill>
+                  <a:srgbClr val="FFFFFF"/>
+                </a:solidFill>
+              </a:rPr>
+              <a:t>12/06/2016</a:t>
             </a:r>
           </a:p>
         </p:txBody>
@@ -4351,13 +4365,6 @@
   <p:clrMapOvr>
     <a:masterClrMapping/>
   </p:clrMapOvr>
-  <p:timing>
-    <p:tnLst>
-      <p:par>
-        <p:cTn id="1" dur="indefinite" restart="never" nodeType="tmRoot"/>
-      </p:par>
-    </p:tnLst>
-  </p:timing>
 </p:sld>
 </file>
 
@@ -4394,10 +4401,9 @@
           <a:lstStyle/>
           <a:p>
             <a:r>
-              <a:rPr lang="en-US" dirty="0" smtClean="0"/>
-              <a:t>Projections – Load Balancer</a:t>
-            </a:r>
-            <a:endParaRPr lang="en-US" dirty="0"/>
+              <a:rPr lang="en-US" dirty="0"/>
+              <a:t>Future Work</a:t>
+            </a:r>
           </a:p>
         </p:txBody>
       </p:sp>
@@ -4413,30 +4419,51 @@
         </p:nvSpPr>
         <p:spPr/>
         <p:txBody>
-          <a:bodyPr/>
+          <a:bodyPr>
+            <a:normAutofit/>
+          </a:bodyPr>
           <a:lstStyle/>
           <a:p>
-            <a:endParaRPr lang="en-US" dirty="0"/>
+            <a:pPr lvl="1"/>
+            <a:r>
+              <a:rPr lang="en-US" sz="2400" dirty="0"/>
+              <a:t>Projections - Load Balancer analysis</a:t>
+            </a:r>
+          </a:p>
+          <a:p>
+            <a:pPr lvl="1"/>
+            <a:r>
+              <a:rPr lang="en-US" sz="2400" dirty="0"/>
+              <a:t>Timeline analysis</a:t>
+            </a:r>
+          </a:p>
+          <a:p>
+            <a:pPr lvl="1"/>
+            <a:r>
+              <a:rPr lang="en-US" sz="2400" dirty="0" err="1"/>
+              <a:t>Eurler</a:t>
+            </a:r>
+            <a:r>
+              <a:rPr lang="en-US" sz="2400" dirty="0"/>
+              <a:t> vs RK4 methods performance</a:t>
+            </a:r>
+          </a:p>
+          <a:p>
+            <a:pPr lvl="1"/>
+            <a:endParaRPr lang="en-US" sz="2400" dirty="0"/>
           </a:p>
         </p:txBody>
       </p:sp>
     </p:spTree>
     <p:extLst>
       <p:ext uri="{BB962C8B-B14F-4D97-AF65-F5344CB8AC3E}">
-        <p14:creationId xmlns:p14="http://schemas.microsoft.com/office/powerpoint/2010/main" val="2047580125"/>
+        <p14:creationId xmlns:p14="http://schemas.microsoft.com/office/powerpoint/2010/main" val="4208933927"/>
       </p:ext>
     </p:extLst>
   </p:cSld>
   <p:clrMapOvr>
     <a:masterClrMapping/>
   </p:clrMapOvr>
-  <p:timing>
-    <p:tnLst>
-      <p:par>
-        <p:cTn id="1" dur="indefinite" restart="never" nodeType="tmRoot"/>
-      </p:par>
-    </p:tnLst>
-  </p:timing>
 </p:sld>
 </file>
 
@@ -4473,89 +4500,9 @@
           <a:lstStyle/>
           <a:p>
             <a:r>
-              <a:rPr lang="en-US" dirty="0" smtClean="0"/>
-              <a:t>Timeline - Analysis</a:t>
-            </a:r>
-            <a:endParaRPr lang="en-US" dirty="0"/>
-          </a:p>
-        </p:txBody>
-      </p:sp>
-      <p:sp>
-        <p:nvSpPr>
-          <p:cNvPr id="3" name="Content Placeholder 2"/>
-          <p:cNvSpPr>
-            <a:spLocks noGrp="1"/>
-          </p:cNvSpPr>
-          <p:nvPr>
-            <p:ph idx="1"/>
-          </p:nvPr>
-        </p:nvSpPr>
-        <p:spPr/>
-        <p:txBody>
-          <a:bodyPr/>
-          <a:lstStyle/>
-          <a:p>
-            <a:endParaRPr lang="en-US"/>
-          </a:p>
-        </p:txBody>
-      </p:sp>
-    </p:spTree>
-    <p:extLst>
-      <p:ext uri="{BB962C8B-B14F-4D97-AF65-F5344CB8AC3E}">
-        <p14:creationId xmlns:p14="http://schemas.microsoft.com/office/powerpoint/2010/main" val="151980445"/>
-      </p:ext>
-    </p:extLst>
-  </p:cSld>
-  <p:clrMapOvr>
-    <a:masterClrMapping/>
-  </p:clrMapOvr>
-  <p:timing>
-    <p:tnLst>
-      <p:par>
-        <p:cTn id="1" dur="indefinite" restart="never" nodeType="tmRoot"/>
-      </p:par>
-    </p:tnLst>
-  </p:timing>
-</p:sld>
-</file>
-
-<file path=ppt/slides/slide12.xml><?xml version="1.0" encoding="utf-8"?>
-<p:sld xmlns:a="http://schemas.openxmlformats.org/drawingml/2006/main" xmlns:r="http://schemas.openxmlformats.org/officeDocument/2006/relationships" xmlns:p="http://schemas.openxmlformats.org/presentationml/2006/main">
-  <p:cSld>
-    <p:spTree>
-      <p:nvGrpSpPr>
-        <p:cNvPr id="1" name=""/>
-        <p:cNvGrpSpPr/>
-        <p:nvPr/>
-      </p:nvGrpSpPr>
-      <p:grpSpPr>
-        <a:xfrm>
-          <a:off x="0" y="0"/>
-          <a:ext cx="0" cy="0"/>
-          <a:chOff x="0" y="0"/>
-          <a:chExt cx="0" cy="0"/>
-        </a:xfrm>
-      </p:grpSpPr>
-      <p:sp>
-        <p:nvSpPr>
-          <p:cNvPr id="2" name="Title 1"/>
-          <p:cNvSpPr>
-            <a:spLocks noGrp="1"/>
-          </p:cNvSpPr>
-          <p:nvPr>
-            <p:ph type="title"/>
-          </p:nvPr>
-        </p:nvSpPr>
-        <p:spPr/>
-        <p:txBody>
-          <a:bodyPr/>
-          <a:lstStyle/>
-          <a:p>
-            <a:r>
-              <a:rPr lang="en-US" dirty="0" smtClean="0"/>
+              <a:rPr lang="en-US" dirty="0"/>
               <a:t>Any Questions?</a:t>
             </a:r>
-            <a:endParaRPr lang="en-US" dirty="0"/>
           </a:p>
         </p:txBody>
       </p:sp>
@@ -4588,13 +4535,6 @@
   <p:clrMapOvr>
     <a:masterClrMapping/>
   </p:clrMapOvr>
-  <p:timing>
-    <p:tnLst>
-      <p:par>
-        <p:cTn id="1" dur="indefinite" restart="never" nodeType="tmRoot"/>
-      </p:par>
-    </p:tnLst>
-  </p:timing>
 </p:sld>
 </file>
 
@@ -4896,30 +4836,51 @@
             <a:pPr lvl="1"/>
             <a:r>
               <a:rPr lang="en-US" sz="2400" dirty="0"/>
-              <a:t>Plasma Combustion and basic principles</a:t>
+              <a:t>Plasma-Assisted Combustion</a:t>
             </a:r>
           </a:p>
           <a:p>
             <a:pPr lvl="1"/>
             <a:r>
               <a:rPr lang="en-US" sz="2400" dirty="0"/>
-              <a:t>Program Design</a:t>
+              <a:t>Inside the Cube </a:t>
             </a:r>
           </a:p>
           <a:p>
             <a:pPr lvl="1"/>
             <a:r>
-              <a:rPr lang="en-US" sz="2400" dirty="0" smtClean="0"/>
-              <a:t>Experiments &amp; Analysis</a:t>
+              <a:rPr lang="en-US" sz="2400" dirty="0"/>
+              <a:t>Plasma Chemistry</a:t>
             </a:r>
           </a:p>
           <a:p>
             <a:pPr lvl="1"/>
             <a:r>
-              <a:rPr lang="en-US" sz="2400" dirty="0" smtClean="0"/>
+              <a:rPr lang="en-US" sz="2400" dirty="0"/>
+              <a:t>Our Design</a:t>
+            </a:r>
+          </a:p>
+          <a:p>
+            <a:pPr lvl="1"/>
+            <a:r>
+              <a:rPr lang="en-US" sz="2400"/>
+              <a:t>Current Status</a:t>
+            </a:r>
+            <a:endParaRPr lang="en-US" sz="2400" dirty="0"/>
+          </a:p>
+          <a:p>
+            <a:pPr lvl="1"/>
+            <a:r>
+              <a:rPr lang="en-US" sz="2400" dirty="0"/>
+              <a:t>Future Work</a:t>
+            </a:r>
+          </a:p>
+          <a:p>
+            <a:pPr lvl="1"/>
+            <a:r>
+              <a:rPr lang="en-US" sz="2400" dirty="0"/>
               <a:t>Q&amp;A</a:t>
             </a:r>
-            <a:endParaRPr lang="en-US" sz="2400" dirty="0"/>
           </a:p>
           <a:p>
             <a:pPr lvl="1"/>
@@ -4937,13 +4898,6 @@
   <p:clrMapOvr>
     <a:masterClrMapping/>
   </p:clrMapOvr>
-  <p:timing>
-    <p:tnLst>
-      <p:par>
-        <p:cTn id="1" dur="indefinite" restart="never" nodeType="tmRoot"/>
-      </p:par>
-    </p:tnLst>
-  </p:timing>
 </p:sld>
 </file>
 
@@ -4980,10 +4934,9 @@
           <a:lstStyle/>
           <a:p>
             <a:r>
-              <a:rPr lang="en-US" dirty="0" smtClean="0"/>
+              <a:rPr lang="en-US" dirty="0"/>
               <a:t>Background</a:t>
             </a:r>
-            <a:endParaRPr lang="en-US" dirty="0"/>
           </a:p>
         </p:txBody>
       </p:sp>
@@ -5006,76 +4959,65 @@
           <a:p>
             <a:pPr lvl="1"/>
             <a:r>
-              <a:rPr lang="en-US" sz="2400" dirty="0" smtClean="0"/>
-              <a:t>Research on supersonic combustion is surging: Plasma Propulsion Engine</a:t>
+              <a:rPr lang="en-US" sz="2400" dirty="0"/>
+              <a:t>Research on supersonic combustion</a:t>
             </a:r>
           </a:p>
           <a:p>
             <a:pPr lvl="1"/>
             <a:r>
-              <a:rPr lang="en-US" sz="2400" dirty="0" smtClean="0"/>
+              <a:rPr lang="en-US" sz="2400" dirty="0"/>
               <a:t>Applications </a:t>
             </a:r>
             <a:r>
-              <a:rPr lang="en-US" altLang="zh-CN" sz="2400" dirty="0" smtClean="0"/>
+              <a:rPr lang="en-US" altLang="zh-CN" sz="2400" dirty="0"/>
               <a:t>in</a:t>
             </a:r>
             <a:r>
-              <a:rPr lang="zh-CN" altLang="en-US" sz="2400" dirty="0" smtClean="0"/>
+              <a:rPr lang="zh-CN" altLang="en-US" sz="2400" dirty="0"/>
               <a:t> </a:t>
             </a:r>
             <a:r>
-              <a:rPr lang="en-US" sz="2400" dirty="0" smtClean="0"/>
+              <a:rPr lang="en-US" sz="2400" dirty="0"/>
               <a:t>aerospace and defense industries </a:t>
             </a:r>
           </a:p>
           <a:p>
             <a:pPr lvl="1"/>
             <a:r>
-              <a:rPr lang="en-US" sz="2400" dirty="0" smtClean="0"/>
+              <a:rPr lang="en-US" sz="2400" dirty="0"/>
               <a:t>Hard due to </a:t>
             </a:r>
+            <a:r>
+              <a:rPr lang="en-US" sz="2000" dirty="0"/>
+              <a:t>	</a:t>
+            </a:r>
           </a:p>
           <a:p>
             <a:pPr lvl="2"/>
             <a:r>
               <a:rPr lang="en-US" sz="2000" dirty="0"/>
-              <a:t>H</a:t>
-            </a:r>
-            <a:r>
-              <a:rPr lang="en-US" sz="2000" dirty="0" smtClean="0"/>
-              <a:t>igh velocity of freestream 	</a:t>
+              <a:t>Small residence time of the flow</a:t>
             </a:r>
           </a:p>
           <a:p>
             <a:pPr lvl="2"/>
             <a:r>
               <a:rPr lang="en-US" sz="2000" dirty="0"/>
-              <a:t>S</a:t>
-            </a:r>
-            <a:r>
-              <a:rPr lang="en-US" sz="2000" dirty="0" smtClean="0"/>
-              <a:t>mall residence time of the flow</a:t>
-            </a:r>
-          </a:p>
-          <a:p>
-            <a:pPr lvl="2"/>
-            <a:r>
-              <a:rPr lang="en-US" sz="2000" dirty="0" smtClean="0"/>
-              <a:t>Complicated Reactions and Interactions within the engine</a:t>
+              <a:t>Different timescales for Reactions and flow</a:t>
             </a:r>
           </a:p>
           <a:p>
             <a:pPr lvl="1"/>
             <a:r>
-              <a:rPr lang="en-US" sz="2400" dirty="0" smtClean="0"/>
+              <a:rPr lang="en-US" sz="2400" dirty="0"/>
               <a:t>Requires High Performance Computation to simulate and study</a:t>
             </a:r>
           </a:p>
           <a:p>
             <a:pPr lvl="1"/>
             <a:r>
-              <a:rPr lang="en-US" sz="2400" dirty="0" smtClean="0"/>
+              <a:rPr lang="en-US" sz="2400" dirty="0"/>
               <a:t>Computational Fluid Dynamics(CFD)</a:t>
             </a:r>
           </a:p>
@@ -5095,13 +5037,6 @@
   <p:clrMapOvr>
     <a:masterClrMapping/>
   </p:clrMapOvr>
-  <p:timing>
-    <p:tnLst>
-      <p:par>
-        <p:cTn id="1" dur="indefinite" restart="never" nodeType="tmRoot"/>
-      </p:par>
-    </p:tnLst>
-  </p:timing>
 </p:sld>
 </file>
 
@@ -5138,16 +5073,15 @@
           <a:lstStyle/>
           <a:p>
             <a:r>
-              <a:rPr lang="en-US" dirty="0" smtClean="0"/>
-              <a:t>Plasma Combustion</a:t>
-            </a:r>
-            <a:endParaRPr lang="en-US" dirty="0"/>
+              <a:rPr lang="en-US" dirty="0"/>
+              <a:t>Plasma Assisted Combustion</a:t>
+            </a:r>
           </a:p>
         </p:txBody>
       </p:sp>
       <p:pic>
         <p:nvPicPr>
-          <p:cNvPr id="6" name="Content Placeholder 5"/>
+          <p:cNvPr id="4" name="Content Placeholder 3"/>
           <p:cNvPicPr>
             <a:picLocks noGrp="1" noChangeAspect="1"/>
           </p:cNvPicPr>
@@ -5156,339 +5090,52 @@
           </p:nvPr>
         </p:nvPicPr>
         <p:blipFill>
-          <a:blip r:embed="rId2">
-            <a:extLst>
-              <a:ext uri="{28A0092B-C50C-407E-A947-70E740481C1C}">
-                <a14:useLocalDpi xmlns:a14="http://schemas.microsoft.com/office/drawing/2010/main" val="0"/>
-              </a:ext>
-            </a:extLst>
-          </a:blip>
+          <a:blip r:embed="rId2"/>
           <a:stretch>
             <a:fillRect/>
           </a:stretch>
         </p:blipFill>
         <p:spPr>
           <a:xfrm>
-            <a:off x="1123506" y="1917665"/>
-            <a:ext cx="7115927" cy="3942224"/>
-          </a:xfrm>
-          <a:effectLst>
-            <a:glow>
-              <a:schemeClr val="accent1">
-                <a:alpha val="40000"/>
-              </a:schemeClr>
-            </a:glow>
-            <a:outerShdw blurRad="50800" dist="50800" dir="5400000" algn="ctr" rotWithShape="0">
-              <a:srgbClr val="000000"/>
-            </a:outerShdw>
-          </a:effectLst>
+            <a:off x="6126480" y="2438400"/>
+            <a:ext cx="5353756" cy="3011488"/>
+          </a:xfrm>
         </p:spPr>
       </p:pic>
-      <p:sp>
-        <p:nvSpPr>
-          <p:cNvPr id="9" name="Cube 8"/>
-          <p:cNvSpPr/>
+      <p:pic>
+        <p:nvPicPr>
+          <p:cNvPr id="5" name="Picture 4"/>
+          <p:cNvPicPr>
+            <a:picLocks noChangeAspect="1"/>
+          </p:cNvPicPr>
           <p:nvPr/>
-        </p:nvSpPr>
-        <p:spPr>
-          <a:xfrm rot="757424">
-            <a:off x="8988253" y="2958545"/>
-            <a:ext cx="2129991" cy="578188"/>
-          </a:xfrm>
-          <a:prstGeom prst="cube">
-            <a:avLst/>
-          </a:prstGeom>
-        </p:spPr>
-        <p:style>
-          <a:lnRef idx="2">
-            <a:schemeClr val="accent1">
-              <a:shade val="50000"/>
-            </a:schemeClr>
-          </a:lnRef>
-          <a:fillRef idx="1003">
-            <a:schemeClr val="lt1"/>
-          </a:fillRef>
-          <a:effectRef idx="0">
-            <a:schemeClr val="accent1"/>
-          </a:effectRef>
-          <a:fontRef idx="minor">
-            <a:schemeClr val="lt1"/>
-          </a:fontRef>
-        </p:style>
-        <p:txBody>
-          <a:bodyPr rtlCol="0" anchor="ctr"/>
-          <a:lstStyle/>
-          <a:p>
-            <a:pPr algn="ctr"/>
-            <a:endParaRPr lang="en-US"/>
-          </a:p>
-        </p:txBody>
-      </p:sp>
-      <p:sp>
-        <p:nvSpPr>
-          <p:cNvPr id="10" name="Rectangle 9"/>
-          <p:cNvSpPr/>
-          <p:nvPr/>
-        </p:nvSpPr>
-        <p:spPr>
-          <a:xfrm rot="650234">
-            <a:off x="3586596" y="3785949"/>
-            <a:ext cx="2014763" cy="531787"/>
+        </p:nvPicPr>
+        <p:blipFill>
+          <a:blip r:embed="rId3"/>
+          <a:stretch>
+            <a:fillRect/>
+          </a:stretch>
+        </p:blipFill>
+        <p:spPr>
+          <a:xfrm>
+            <a:off x="1536700" y="2438400"/>
+            <a:ext cx="2832100" cy="3009646"/>
           </a:xfrm>
           <a:prstGeom prst="rect">
             <a:avLst/>
           </a:prstGeom>
-          <a:noFill/>
-          <a:effectLst>
-            <a:glow rad="101600">
-              <a:srgbClr val="FFFF00">
-                <a:alpha val="60000"/>
-              </a:srgbClr>
-            </a:glow>
-          </a:effectLst>
-        </p:spPr>
-        <p:style>
-          <a:lnRef idx="2">
-            <a:schemeClr val="accent1">
-              <a:shade val="50000"/>
-            </a:schemeClr>
-          </a:lnRef>
-          <a:fillRef idx="1">
-            <a:schemeClr val="accent1"/>
-          </a:fillRef>
-          <a:effectRef idx="0">
-            <a:schemeClr val="accent1"/>
-          </a:effectRef>
-          <a:fontRef idx="minor">
-            <a:schemeClr val="lt1"/>
-          </a:fontRef>
-        </p:style>
-        <p:txBody>
-          <a:bodyPr rtlCol="0" anchor="ctr"/>
-          <a:lstStyle/>
-          <a:p>
-            <a:pPr algn="ctr"/>
-            <a:endParaRPr lang="en-US"/>
-          </a:p>
-        </p:txBody>
-      </p:sp>
-      <p:cxnSp>
-        <p:nvCxnSpPr>
-          <p:cNvPr id="12" name="Straight Arrow Connector 11"/>
-          <p:cNvCxnSpPr>
-            <a:endCxn id="9" idx="3"/>
-          </p:cNvCxnSpPr>
-          <p:nvPr/>
-        </p:nvCxnSpPr>
-        <p:spPr>
-          <a:xfrm flipV="1">
-            <a:off x="5633386" y="3513949"/>
-            <a:ext cx="4286155" cy="532082"/>
-          </a:xfrm>
-          <a:prstGeom prst="straightConnector1">
-            <a:avLst/>
-          </a:prstGeom>
-          <a:ln w="57150">
-            <a:solidFill>
-              <a:srgbClr val="FF0000"/>
-            </a:solidFill>
-            <a:tailEnd type="triangle"/>
-          </a:ln>
-        </p:spPr>
-        <p:style>
-          <a:lnRef idx="1">
-            <a:schemeClr val="accent1"/>
-          </a:lnRef>
-          <a:fillRef idx="0">
-            <a:schemeClr val="accent1"/>
-          </a:fillRef>
-          <a:effectRef idx="0">
-            <a:schemeClr val="accent1"/>
-          </a:effectRef>
-          <a:fontRef idx="minor">
-            <a:schemeClr val="tx1"/>
-          </a:fontRef>
-        </p:style>
-      </p:cxnSp>
+        </p:spPr>
+      </p:pic>
     </p:spTree>
     <p:extLst>
       <p:ext uri="{BB962C8B-B14F-4D97-AF65-F5344CB8AC3E}">
-        <p14:creationId xmlns:p14="http://schemas.microsoft.com/office/powerpoint/2010/main" val="1112316229"/>
+        <p14:creationId xmlns:p14="http://schemas.microsoft.com/office/powerpoint/2010/main" val="4028822800"/>
       </p:ext>
     </p:extLst>
   </p:cSld>
   <p:clrMapOvr>
     <a:masterClrMapping/>
   </p:clrMapOvr>
-  <p:timing>
-    <p:tnLst>
-      <p:par>
-        <p:cTn id="1" dur="indefinite" restart="never" nodeType="tmRoot">
-          <p:childTnLst>
-            <p:seq concurrent="1" nextAc="seek">
-              <p:cTn id="2" dur="indefinite" nodeType="mainSeq">
-                <p:childTnLst>
-                  <p:par>
-                    <p:cTn id="3" fill="hold">
-                      <p:stCondLst>
-                        <p:cond delay="indefinite"/>
-                      </p:stCondLst>
-                      <p:childTnLst>
-                        <p:par>
-                          <p:cTn id="4" fill="hold">
-                            <p:stCondLst>
-                              <p:cond delay="0"/>
-                            </p:stCondLst>
-                            <p:childTnLst>
-                              <p:par>
-                                <p:cTn id="5" presetID="1" presetClass="entr" presetSubtype="0" fill="hold" grpId="0" nodeType="clickEffect">
-                                  <p:stCondLst>
-                                    <p:cond delay="0"/>
-                                  </p:stCondLst>
-                                  <p:childTnLst>
-                                    <p:set>
-                                      <p:cBhvr>
-                                        <p:cTn id="6" dur="1" fill="hold">
-                                          <p:stCondLst>
-                                            <p:cond delay="0"/>
-                                          </p:stCondLst>
-                                        </p:cTn>
-                                        <p:tgtEl>
-                                          <p:spTgt spid="10"/>
-                                        </p:tgtEl>
-                                        <p:attrNameLst>
-                                          <p:attrName>style.visibility</p:attrName>
-                                        </p:attrNameLst>
-                                      </p:cBhvr>
-                                      <p:to>
-                                        <p:strVal val="visible"/>
-                                      </p:to>
-                                    </p:set>
-                                  </p:childTnLst>
-                                </p:cTn>
-                              </p:par>
-                            </p:childTnLst>
-                          </p:cTn>
-                        </p:par>
-                      </p:childTnLst>
-                    </p:cTn>
-                  </p:par>
-                  <p:par>
-                    <p:cTn id="7" fill="hold">
-                      <p:stCondLst>
-                        <p:cond delay="indefinite"/>
-                      </p:stCondLst>
-                      <p:childTnLst>
-                        <p:par>
-                          <p:cTn id="8" fill="hold">
-                            <p:stCondLst>
-                              <p:cond delay="0"/>
-                            </p:stCondLst>
-                            <p:childTnLst>
-                              <p:par>
-                                <p:cTn id="9" presetID="1" presetClass="entr" presetSubtype="0" fill="hold" nodeType="clickEffect">
-                                  <p:stCondLst>
-                                    <p:cond delay="0"/>
-                                  </p:stCondLst>
-                                  <p:childTnLst>
-                                    <p:set>
-                                      <p:cBhvr>
-                                        <p:cTn id="10" dur="1" fill="hold">
-                                          <p:stCondLst>
-                                            <p:cond delay="0"/>
-                                          </p:stCondLst>
-                                        </p:cTn>
-                                        <p:tgtEl>
-                                          <p:spTgt spid="12"/>
-                                        </p:tgtEl>
-                                        <p:attrNameLst>
-                                          <p:attrName>style.visibility</p:attrName>
-                                        </p:attrNameLst>
-                                      </p:cBhvr>
-                                      <p:to>
-                                        <p:strVal val="visible"/>
-                                      </p:to>
-                                    </p:set>
-                                  </p:childTnLst>
-                                </p:cTn>
-                              </p:par>
-                            </p:childTnLst>
-                          </p:cTn>
-                        </p:par>
-                      </p:childTnLst>
-                    </p:cTn>
-                  </p:par>
-                  <p:par>
-                    <p:cTn id="11" fill="hold">
-                      <p:stCondLst>
-                        <p:cond delay="indefinite"/>
-                      </p:stCondLst>
-                      <p:childTnLst>
-                        <p:par>
-                          <p:cTn id="12" fill="hold">
-                            <p:stCondLst>
-                              <p:cond delay="0"/>
-                            </p:stCondLst>
-                            <p:childTnLst>
-                              <p:par>
-                                <p:cTn id="13" presetID="1" presetClass="entr" presetSubtype="0" fill="hold" grpId="0" nodeType="clickEffect">
-                                  <p:stCondLst>
-                                    <p:cond delay="0"/>
-                                  </p:stCondLst>
-                                  <p:childTnLst>
-                                    <p:set>
-                                      <p:cBhvr>
-                                        <p:cTn id="14" dur="1" fill="hold">
-                                          <p:stCondLst>
-                                            <p:cond delay="0"/>
-                                          </p:stCondLst>
-                                        </p:cTn>
-                                        <p:tgtEl>
-                                          <p:spTgt spid="9"/>
-                                        </p:tgtEl>
-                                        <p:attrNameLst>
-                                          <p:attrName>style.visibility</p:attrName>
-                                        </p:attrNameLst>
-                                      </p:cBhvr>
-                                      <p:to>
-                                        <p:strVal val="visible"/>
-                                      </p:to>
-                                    </p:set>
-                                  </p:childTnLst>
-                                </p:cTn>
-                              </p:par>
-                            </p:childTnLst>
-                          </p:cTn>
-                        </p:par>
-                      </p:childTnLst>
-                    </p:cTn>
-                  </p:par>
-                </p:childTnLst>
-              </p:cTn>
-              <p:prevCondLst>
-                <p:cond evt="onPrev" delay="0">
-                  <p:tgtEl>
-                    <p:sldTgt/>
-                  </p:tgtEl>
-                </p:cond>
-              </p:prevCondLst>
-              <p:nextCondLst>
-                <p:cond evt="onNext" delay="0">
-                  <p:tgtEl>
-                    <p:sldTgt/>
-                  </p:tgtEl>
-                </p:cond>
-              </p:nextCondLst>
-            </p:seq>
-          </p:childTnLst>
-        </p:cTn>
-      </p:par>
-    </p:tnLst>
-    <p:bldLst>
-      <p:bldP spid="9" grpId="0" animBg="1"/>
-      <p:bldP spid="10" grpId="0" animBg="1"/>
-    </p:bldLst>
-  </p:timing>
 </p:sld>
 </file>
 
@@ -5525,10 +5172,9 @@
           <a:lstStyle/>
           <a:p>
             <a:r>
-              <a:rPr lang="en-US" dirty="0" smtClean="0"/>
+              <a:rPr lang="en-US" dirty="0"/>
               <a:t>Inside the Cube</a:t>
             </a:r>
-            <a:endParaRPr lang="en-US" dirty="0"/>
           </a:p>
         </p:txBody>
       </p:sp>
@@ -5542,7 +5188,12 @@
             <p:ph idx="1"/>
           </p:nvPr>
         </p:nvSpPr>
-        <p:spPr/>
+        <p:spPr>
+          <a:xfrm>
+            <a:off x="1097280" y="1845734"/>
+            <a:ext cx="10058400" cy="4207196"/>
+          </a:xfrm>
+        </p:spPr>
         <p:txBody>
           <a:bodyPr>
             <a:normAutofit/>
@@ -5551,28 +5202,28 @@
           <a:p>
             <a:pPr lvl="1"/>
             <a:r>
-              <a:rPr lang="en-US" sz="2400" dirty="0" smtClean="0"/>
+              <a:rPr lang="en-US" sz="2400" dirty="0"/>
               <a:t>Computational Fluid Dynamics(CFD)</a:t>
             </a:r>
           </a:p>
           <a:p>
             <a:pPr lvl="2"/>
             <a:r>
-              <a:rPr lang="en-US" sz="2000" dirty="0" smtClean="0"/>
+              <a:rPr lang="en-US" sz="2000" dirty="0"/>
               <a:t>Deal with flows, i.e. fluids(liquids or gases) in motion</a:t>
             </a:r>
           </a:p>
           <a:p>
             <a:pPr lvl="1"/>
             <a:r>
-              <a:rPr lang="en-US" sz="2400" dirty="0" smtClean="0"/>
+              <a:rPr lang="en-US" sz="2400" dirty="0"/>
               <a:t>Chemical Reactions</a:t>
             </a:r>
           </a:p>
           <a:p>
             <a:pPr lvl="1"/>
             <a:r>
-              <a:rPr lang="en-US" sz="2400" dirty="0" smtClean="0"/>
+              <a:rPr lang="en-US" sz="2400" dirty="0"/>
               <a:t>Various Forces and Interactions within the cube</a:t>
             </a:r>
           </a:p>
@@ -5591,45 +5242,28 @@
             <a:pPr lvl="2"/>
             <a:r>
               <a:rPr lang="en-US" sz="2000" dirty="0"/>
-              <a:t>Inviscid Flux</a:t>
+              <a:t>Flux Calculations</a:t>
             </a:r>
           </a:p>
           <a:p>
             <a:pPr lvl="2"/>
             <a:r>
-              <a:rPr lang="en-US" sz="2000" dirty="0" smtClean="0"/>
+              <a:rPr lang="en-US" sz="2000" dirty="0"/>
               <a:t>Kinetics</a:t>
             </a:r>
-            <a:endParaRPr lang="en-US" sz="2000" dirty="0"/>
-          </a:p>
-          <a:p>
-            <a:pPr lvl="2"/>
-            <a:r>
-              <a:rPr lang="is-IS" sz="2000" dirty="0"/>
-              <a:t>…...</a:t>
-            </a:r>
-            <a:endParaRPr lang="en-US" sz="2000" dirty="0"/>
           </a:p>
           <a:p>
             <a:pPr lvl="1"/>
             <a:r>
-              <a:rPr lang="en-US" sz="2400" dirty="0" smtClean="0"/>
-              <a:t>Analyzing using </a:t>
-            </a:r>
-            <a:r>
-              <a:rPr lang="en-US" sz="2400" dirty="0" err="1" smtClean="0"/>
-              <a:t>Runge-Kutta</a:t>
-            </a:r>
-            <a:r>
-              <a:rPr lang="en-US" sz="2400" dirty="0" smtClean="0"/>
-              <a:t> Methods</a:t>
+              <a:rPr lang="en-US" sz="2400" dirty="0"/>
+              <a:t>Time-stepping using Euler forward methods</a:t>
             </a:r>
           </a:p>
           <a:p>
             <a:pPr lvl="1"/>
             <a:r>
-              <a:rPr lang="en-US" sz="2400" dirty="0" smtClean="0"/>
-              <a:t>Test against Sod Shock Tube, a common test for computational fluids</a:t>
+              <a:rPr lang="en-US" sz="2400" dirty="0"/>
+              <a:t>Test : Sod Shock Tube, a common test for density-based finite volume schemes</a:t>
             </a:r>
           </a:p>
           <a:p>
@@ -5638,60 +5272,30 @@
           </a:p>
           <a:p>
             <a:pPr lvl="1"/>
-            <a:endParaRPr lang="en-US" sz="2400" dirty="0" smtClean="0"/>
-          </a:p>
-          <a:p>
-            <a:pPr lvl="1"/>
-            <a:endParaRPr lang="en-US" sz="2400" dirty="0" smtClean="0"/>
-          </a:p>
-          <a:p>
-            <a:pPr lvl="2"/>
-            <a:endParaRPr lang="en-US" sz="2000" dirty="0" smtClean="0"/>
-          </a:p>
-          <a:p>
-            <a:pPr lvl="2"/>
-            <a:endParaRPr lang="en-US" sz="2000" dirty="0" smtClean="0"/>
-          </a:p>
-          <a:p>
-            <a:pPr lvl="2"/>
-            <a:endParaRPr lang="en-US" sz="2000" dirty="0" smtClean="0"/>
+            <a:endParaRPr lang="en-US" sz="2400" dirty="0"/>
           </a:p>
           <a:p>
             <a:pPr lvl="1"/>
             <a:endParaRPr lang="en-US" sz="2400" dirty="0"/>
           </a:p>
-        </p:txBody>
-      </p:sp>
-      <p:pic>
-        <p:nvPicPr>
-          <p:cNvPr id="4" name="Picture 3"/>
-          <p:cNvPicPr>
-            <a:picLocks noChangeAspect="1"/>
-          </p:cNvPicPr>
-          <p:nvPr/>
-        </p:nvPicPr>
-        <p:blipFill>
-          <a:blip r:embed="rId2">
-            <a:extLst>
-              <a:ext uri="{28A0092B-C50C-407E-A947-70E740481C1C}">
-                <a14:useLocalDpi xmlns:a14="http://schemas.microsoft.com/office/drawing/2010/main" val="0"/>
-              </a:ext>
-            </a:extLst>
-          </a:blip>
-          <a:stretch>
-            <a:fillRect/>
-          </a:stretch>
-        </p:blipFill>
-        <p:spPr>
-          <a:xfrm>
-            <a:off x="8143748" y="1845734"/>
-            <a:ext cx="2826230" cy="3127248"/>
-          </a:xfrm>
-          <a:prstGeom prst="rect">
-            <a:avLst/>
-          </a:prstGeom>
-        </p:spPr>
-      </p:pic>
+          <a:p>
+            <a:pPr lvl="2"/>
+            <a:endParaRPr lang="en-US" sz="2000" dirty="0"/>
+          </a:p>
+          <a:p>
+            <a:pPr lvl="2"/>
+            <a:endParaRPr lang="en-US" sz="2000" dirty="0"/>
+          </a:p>
+          <a:p>
+            <a:pPr lvl="2"/>
+            <a:endParaRPr lang="en-US" sz="2000" dirty="0"/>
+          </a:p>
+          <a:p>
+            <a:pPr lvl="1"/>
+            <a:endParaRPr lang="en-US" sz="2400" dirty="0"/>
+          </a:p>
+        </p:txBody>
+      </p:sp>
     </p:spTree>
     <p:extLst>
       <p:ext uri="{BB962C8B-B14F-4D97-AF65-F5344CB8AC3E}">
@@ -5702,13 +5306,6 @@
   <p:clrMapOvr>
     <a:masterClrMapping/>
   </p:clrMapOvr>
-  <p:timing>
-    <p:tnLst>
-      <p:par>
-        <p:cTn id="1" dur="indefinite" restart="never" nodeType="tmRoot"/>
-      </p:par>
-    </p:tnLst>
-  </p:timing>
 </p:sld>
 </file>
 
@@ -5745,10 +5342,9 @@
           <a:lstStyle/>
           <a:p>
             <a:r>
-              <a:rPr lang="en-US" dirty="0" smtClean="0"/>
-              <a:t>Add whatever you want to say about Plasma Combustion</a:t>
-            </a:r>
-            <a:endParaRPr lang="en-US" dirty="0"/>
+              <a:rPr lang="en-US" dirty="0"/>
+              <a:t>Plasma Chemistry</a:t>
+            </a:r>
           </a:p>
         </p:txBody>
       </p:sp>
@@ -5767,27 +5363,104 @@
           <a:bodyPr/>
           <a:lstStyle/>
           <a:p>
-            <a:endParaRPr lang="en-US"/>
-          </a:p>
-        </p:txBody>
-      </p:sp>
+            <a:pPr>
+              <a:buFont typeface="Courier New" panose="02070309020205020404" pitchFamily="49" charset="0"/>
+              <a:buChar char="o"/>
+            </a:pPr>
+            <a:r>
+              <a:rPr lang="en-US" dirty="0"/>
+              <a:t> Neutrals interact with electrons</a:t>
+            </a:r>
+          </a:p>
+          <a:p>
+            <a:pPr>
+              <a:buFont typeface="Courier New" panose="02070309020205020404" pitchFamily="49" charset="0"/>
+              <a:buChar char="o"/>
+            </a:pPr>
+            <a:r>
+              <a:rPr lang="en-US" dirty="0"/>
+              <a:t> Creation of radicals and charged particles</a:t>
+            </a:r>
+          </a:p>
+          <a:p>
+            <a:pPr>
+              <a:buFont typeface="Courier New" panose="02070309020205020404" pitchFamily="49" charset="0"/>
+              <a:buChar char="o"/>
+            </a:pPr>
+            <a:r>
+              <a:rPr lang="en-US" dirty="0"/>
+              <a:t> Creation of excited molecules</a:t>
+            </a:r>
+          </a:p>
+          <a:p>
+            <a:pPr>
+              <a:buFont typeface="Courier New" panose="02070309020205020404" pitchFamily="49" charset="0"/>
+              <a:buChar char="o"/>
+            </a:pPr>
+            <a:r>
+              <a:rPr lang="en-US" dirty="0"/>
+              <a:t> Short-circuit chemical pathways</a:t>
+            </a:r>
+          </a:p>
+          <a:p>
+            <a:pPr>
+              <a:buFont typeface="Courier New" panose="02070309020205020404" pitchFamily="49" charset="0"/>
+              <a:buChar char="o"/>
+            </a:pPr>
+            <a:r>
+              <a:rPr lang="en-US" dirty="0"/>
+              <a:t> Reduces ignition time</a:t>
+            </a:r>
+          </a:p>
+          <a:p>
+            <a:pPr>
+              <a:buFont typeface="Courier New" panose="02070309020205020404" pitchFamily="49" charset="0"/>
+              <a:buChar char="o"/>
+            </a:pPr>
+            <a:endParaRPr lang="en-US" dirty="0"/>
+          </a:p>
+        </p:txBody>
+      </p:sp>
+      <p:pic>
+        <p:nvPicPr>
+          <p:cNvPr id="4" name="Content Placeholder 3"/>
+          <p:cNvPicPr>
+            <a:picLocks noChangeAspect="1"/>
+          </p:cNvPicPr>
+          <p:nvPr/>
+        </p:nvPicPr>
+        <p:blipFill>
+          <a:blip r:embed="rId2">
+            <a:extLst>
+              <a:ext uri="{28A0092B-C50C-407E-A947-70E740481C1C}">
+                <a14:useLocalDpi xmlns:a14="http://schemas.microsoft.com/office/drawing/2010/main" val="0"/>
+              </a:ext>
+            </a:extLst>
+          </a:blip>
+          <a:stretch>
+            <a:fillRect/>
+          </a:stretch>
+        </p:blipFill>
+        <p:spPr>
+          <a:xfrm>
+            <a:off x="6604347" y="1846369"/>
+            <a:ext cx="3635511" cy="4022725"/>
+          </a:xfrm>
+          <a:prstGeom prst="rect">
+            <a:avLst/>
+          </a:prstGeom>
+        </p:spPr>
+      </p:pic>
     </p:spTree>
     <p:extLst>
       <p:ext uri="{BB962C8B-B14F-4D97-AF65-F5344CB8AC3E}">
-        <p14:creationId xmlns:p14="http://schemas.microsoft.com/office/powerpoint/2010/main" val="283706840"/>
+        <p14:creationId xmlns:p14="http://schemas.microsoft.com/office/powerpoint/2010/main" val="2912393280"/>
       </p:ext>
     </p:extLst>
   </p:cSld>
   <p:clrMapOvr>
     <a:masterClrMapping/>
   </p:clrMapOvr>
-  <p:timing>
-    <p:tnLst>
-      <p:par>
-        <p:cTn id="1" dur="indefinite" restart="never" nodeType="tmRoot"/>
-      </p:par>
-    </p:tnLst>
-  </p:timing>
 </p:sld>
 </file>
 
@@ -5824,10 +5497,9 @@
           <a:lstStyle/>
           <a:p>
             <a:r>
-              <a:rPr lang="en-US" dirty="0" smtClean="0"/>
+              <a:rPr lang="en-US" dirty="0"/>
               <a:t>Our Design</a:t>
             </a:r>
-            <a:endParaRPr lang="en-US" dirty="0"/>
           </a:p>
         </p:txBody>
       </p:sp>
@@ -5848,41 +5520,41 @@
           <a:p>
             <a:pPr lvl="1"/>
             <a:r>
-              <a:rPr lang="en-US" sz="2400" dirty="0" smtClean="0"/>
-              <a:t>5 Point Stencil</a:t>
+              <a:rPr lang="en-US" sz="2400" dirty="0"/>
+              <a:t>Finite Volume Method</a:t>
             </a:r>
           </a:p>
           <a:p>
             <a:pPr lvl="1"/>
             <a:r>
-              <a:rPr lang="en-US" sz="2400" dirty="0" smtClean="0"/>
+              <a:rPr lang="en-US" sz="2400" dirty="0"/>
               <a:t>Each Region, Two Chares: </a:t>
             </a:r>
           </a:p>
           <a:p>
             <a:pPr lvl="2"/>
             <a:r>
-              <a:rPr lang="en-US" sz="2000" dirty="0" smtClean="0"/>
-              <a:t>Flux Chare: Description words ?????????????</a:t>
+              <a:rPr lang="en-US" sz="2000" dirty="0"/>
+              <a:t>Flux Chare: Calculates Inviscid Flux</a:t>
             </a:r>
           </a:p>
           <a:p>
             <a:pPr lvl="2"/>
             <a:r>
-              <a:rPr lang="en-US" sz="2000" dirty="0" smtClean="0"/>
-              <a:t>Cell Chare: Description words ?????????????</a:t>
+              <a:rPr lang="en-US" sz="2000" dirty="0"/>
+              <a:t>Cell Chare: Calculates Primary variables</a:t>
             </a:r>
           </a:p>
           <a:p>
             <a:pPr lvl="1"/>
             <a:r>
-              <a:rPr lang="en-US" sz="2400" dirty="0" smtClean="0"/>
+              <a:rPr lang="en-US" sz="2400" dirty="0"/>
               <a:t>Interfaces (Chare Array) among regions</a:t>
             </a:r>
           </a:p>
           <a:p>
             <a:pPr lvl="1"/>
-            <a:endParaRPr lang="en-US" sz="2400" dirty="0" smtClean="0"/>
+            <a:endParaRPr lang="en-US" sz="2400" dirty="0"/>
           </a:p>
           <a:p>
             <a:pPr lvl="1"/>
@@ -5992,10 +5664,9 @@
           <a:p>
             <a:pPr algn="ctr"/>
             <a:r>
-              <a:rPr lang="en-US" dirty="0" smtClean="0"/>
+              <a:rPr lang="en-US" dirty="0"/>
               <a:t>Cell Chare</a:t>
             </a:r>
-            <a:endParaRPr lang="en-US" dirty="0"/>
           </a:p>
         </p:txBody>
       </p:sp>
@@ -6036,10 +5707,9 @@
           <a:p>
             <a:pPr algn="ctr"/>
             <a:r>
-              <a:rPr lang="en-US" dirty="0" smtClean="0"/>
+              <a:rPr lang="en-US" dirty="0"/>
               <a:t>Flux Chare</a:t>
             </a:r>
-            <a:endParaRPr lang="en-US" dirty="0"/>
           </a:p>
         </p:txBody>
       </p:sp>
@@ -7186,10 +6856,9 @@
           <a:lstStyle/>
           <a:p>
             <a:r>
-              <a:rPr lang="en-US" dirty="0" smtClean="0"/>
-              <a:t>Out Design (cont’d)</a:t>
-            </a:r>
-            <a:endParaRPr lang="en-US" dirty="0"/>
+              <a:rPr lang="en-US" dirty="0"/>
+              <a:t>Our Design (cont’d)</a:t>
+            </a:r>
           </a:p>
         </p:txBody>
       </p:sp>
@@ -7212,43 +6881,37 @@
           <a:p>
             <a:pPr lvl="1"/>
             <a:r>
-              <a:rPr lang="en-US" sz="2400" dirty="0" smtClean="0"/>
-              <a:t>Flow Object: density rho, velocity in three dimensions, Energy, a list of chemical species</a:t>
+              <a:rPr lang="en-US" sz="2400" dirty="0"/>
+              <a:t>Transient Solver : Time-stepping using Euler forward method</a:t>
             </a:r>
           </a:p>
           <a:p>
             <a:pPr lvl="1"/>
             <a:r>
-              <a:rPr lang="en-US" sz="2400" dirty="0" smtClean="0"/>
+              <a:rPr lang="en-US" sz="2400" dirty="0"/>
+              <a:t>Flow Object: density , velocity in three dimensions, Energy, a list of chemical species concentration</a:t>
+            </a:r>
+          </a:p>
+          <a:p>
+            <a:pPr lvl="1"/>
+            <a:r>
+              <a:rPr lang="en-US" sz="2400" dirty="0"/>
               <a:t>Flow objects are contained in Cell Chares</a:t>
             </a:r>
           </a:p>
           <a:p>
             <a:pPr lvl="1"/>
             <a:r>
-              <a:rPr lang="en-US" sz="2400" dirty="0" smtClean="0"/>
-              <a:t>Millions of iterations</a:t>
+              <a:rPr lang="en-US" sz="2400" dirty="0"/>
+              <a:t> Iteration until a specific time</a:t>
             </a:r>
           </a:p>
           <a:p>
             <a:pPr lvl="1"/>
-            <a:endParaRPr lang="en-US" sz="2400" dirty="0" smtClean="0"/>
-          </a:p>
-          <a:p>
-            <a:pPr lvl="1"/>
-            <a:r>
-              <a:rPr lang="en-US" sz="2400" dirty="0" smtClean="0"/>
-              <a:t>Add more design details</a:t>
-            </a:r>
-            <a:r>
-              <a:rPr lang="is-IS" sz="2400" dirty="0" smtClean="0"/>
-              <a:t>….....................</a:t>
-            </a:r>
-            <a:endParaRPr lang="en-US" sz="2400" dirty="0" smtClean="0"/>
-          </a:p>
-          <a:p>
-            <a:pPr lvl="1"/>
-            <a:endParaRPr lang="en-US" sz="2400" dirty="0"/>
+            <a:r>
+              <a:rPr lang="en-US" sz="2400" dirty="0"/>
+              <a:t>Sub-iteration for chemical reactions </a:t>
+            </a:r>
           </a:p>
         </p:txBody>
       </p:sp>
@@ -7262,13 +6925,6 @@
   <p:clrMapOvr>
     <a:masterClrMapping/>
   </p:clrMapOvr>
-  <p:timing>
-    <p:tnLst>
-      <p:par>
-        <p:cTn id="1" dur="indefinite" restart="never" nodeType="tmRoot"/>
-      </p:par>
-    </p:tnLst>
-  </p:timing>
 </p:sld>
 </file>
 
@@ -7305,10 +6961,9 @@
           <a:lstStyle/>
           <a:p>
             <a:r>
-              <a:rPr lang="en-US" dirty="0" smtClean="0"/>
-              <a:t>Experiments</a:t>
-            </a:r>
-            <a:endParaRPr lang="en-US" dirty="0"/>
+              <a:rPr lang="en-US" dirty="0"/>
+              <a:t>Current Status</a:t>
+            </a:r>
           </a:p>
         </p:txBody>
       </p:sp>
@@ -7322,32 +6977,49 @@
             <p:ph idx="1"/>
           </p:nvPr>
         </p:nvSpPr>
-        <p:spPr/>
-        <p:txBody>
-          <a:bodyPr/>
+        <p:spPr>
+          <a:xfrm>
+            <a:off x="1097280" y="1947334"/>
+            <a:ext cx="10058400" cy="4023360"/>
+          </a:xfrm>
+        </p:spPr>
+        <p:txBody>
+          <a:bodyPr>
+            <a:normAutofit/>
+          </a:bodyPr>
           <a:lstStyle/>
           <a:p>
-            <a:endParaRPr lang="en-US"/>
+            <a:pPr>
+              <a:buFont typeface="Courier New" panose="02070309020205020404" pitchFamily="49" charset="0"/>
+              <a:buChar char="o"/>
+            </a:pPr>
+            <a:r>
+              <a:rPr lang="en-US" sz="2400" dirty="0"/>
+              <a:t> Tested Inviscid Flow code for Sod Shock Tube</a:t>
+            </a:r>
+          </a:p>
+          <a:p>
+            <a:pPr>
+              <a:buFont typeface="Courier New" panose="02070309020205020404" pitchFamily="49" charset="0"/>
+              <a:buChar char="o"/>
+            </a:pPr>
+            <a:r>
+              <a:rPr lang="en-US" sz="2400" dirty="0"/>
+              <a:t> Chemical Reactions implemented </a:t>
+            </a:r>
           </a:p>
         </p:txBody>
       </p:sp>
     </p:spTree>
     <p:extLst>
       <p:ext uri="{BB962C8B-B14F-4D97-AF65-F5344CB8AC3E}">
-        <p14:creationId xmlns:p14="http://schemas.microsoft.com/office/powerpoint/2010/main" val="1237625168"/>
+        <p14:creationId xmlns:p14="http://schemas.microsoft.com/office/powerpoint/2010/main" val="1423457753"/>
       </p:ext>
     </p:extLst>
   </p:cSld>
   <p:clrMapOvr>
     <a:masterClrMapping/>
   </p:clrMapOvr>
-  <p:timing>
-    <p:tnLst>
-      <p:par>
-        <p:cTn id="1" dur="indefinite" restart="never" nodeType="tmRoot"/>
-      </p:par>
-    </p:tnLst>
-  </p:timing>
 </p:sld>
 </file>
 
